--- a/slides/Timer.pptx
+++ b/slides/Timer.pptx
@@ -135,7 +135,7 @@
   </p:defaultTextStyle>
   <p:extLst>
     <p:ext uri="{EFAFB233-063F-42B5-8137-9DF3F51BA10A}">
-      <p15:sldGuideLst xmlns:p15="http://schemas.microsoft.com/office/powerpoint/2012/main"/>
+      <p15:sldGuideLst xmlns:p15="http://schemas.microsoft.com/office/powerpoint/2012/main" xmlns=""/>
     </p:ext>
   </p:extLst>
 </p:presentation>
@@ -272,7 +272,8 @@
           <a:p>
             <a:fld id="{55C371A2-AE66-436D-88BF-2B6C054A99A6}" type="datetimeFigureOut">
               <a:rPr lang="en-US" smtClean="0"/>
-              <a:t>12/5/2019</a:t>
+              <a:pPr/>
+              <a:t>4/17/2020</a:t>
             </a:fld>
             <a:endParaRPr lang="en-US"/>
           </a:p>
@@ -314,6 +315,7 @@
           <a:p>
             <a:fld id="{C2F48D40-14FD-4BC2-A878-E616B286A2EB}" type="slidenum">
               <a:rPr lang="en-US" smtClean="0"/>
+              <a:pPr/>
               <a:t>‹#›</a:t>
             </a:fld>
             <a:endParaRPr lang="en-US"/>
@@ -323,7 +325,7 @@
     </p:spTree>
     <p:extLst>
       <p:ext uri="{BB962C8B-B14F-4D97-AF65-F5344CB8AC3E}">
-        <p14:creationId xmlns:p14="http://schemas.microsoft.com/office/powerpoint/2010/main" val="3322017672"/>
+        <p14:creationId xmlns:p14="http://schemas.microsoft.com/office/powerpoint/2010/main" xmlns="" val="3322017672"/>
       </p:ext>
     </p:extLst>
   </p:cSld>
@@ -442,7 +444,8 @@
           <a:p>
             <a:fld id="{55C371A2-AE66-436D-88BF-2B6C054A99A6}" type="datetimeFigureOut">
               <a:rPr lang="en-US" smtClean="0"/>
-              <a:t>12/5/2019</a:t>
+              <a:pPr/>
+              <a:t>4/17/2020</a:t>
             </a:fld>
             <a:endParaRPr lang="en-US"/>
           </a:p>
@@ -484,6 +487,7 @@
           <a:p>
             <a:fld id="{C2F48D40-14FD-4BC2-A878-E616B286A2EB}" type="slidenum">
               <a:rPr lang="en-US" smtClean="0"/>
+              <a:pPr/>
               <a:t>‹#›</a:t>
             </a:fld>
             <a:endParaRPr lang="en-US"/>
@@ -493,7 +497,7 @@
     </p:spTree>
     <p:extLst>
       <p:ext uri="{BB962C8B-B14F-4D97-AF65-F5344CB8AC3E}">
-        <p14:creationId xmlns:p14="http://schemas.microsoft.com/office/powerpoint/2010/main" val="2833415572"/>
+        <p14:creationId xmlns:p14="http://schemas.microsoft.com/office/powerpoint/2010/main" xmlns="" val="2833415572"/>
       </p:ext>
     </p:extLst>
   </p:cSld>
@@ -622,7 +626,8 @@
           <a:p>
             <a:fld id="{55C371A2-AE66-436D-88BF-2B6C054A99A6}" type="datetimeFigureOut">
               <a:rPr lang="en-US" smtClean="0"/>
-              <a:t>12/5/2019</a:t>
+              <a:pPr/>
+              <a:t>4/17/2020</a:t>
             </a:fld>
             <a:endParaRPr lang="en-US"/>
           </a:p>
@@ -664,6 +669,7 @@
           <a:p>
             <a:fld id="{C2F48D40-14FD-4BC2-A878-E616B286A2EB}" type="slidenum">
               <a:rPr lang="en-US" smtClean="0"/>
+              <a:pPr/>
               <a:t>‹#›</a:t>
             </a:fld>
             <a:endParaRPr lang="en-US"/>
@@ -673,7 +679,7 @@
     </p:spTree>
     <p:extLst>
       <p:ext uri="{BB962C8B-B14F-4D97-AF65-F5344CB8AC3E}">
-        <p14:creationId xmlns:p14="http://schemas.microsoft.com/office/powerpoint/2010/main" val="649630177"/>
+        <p14:creationId xmlns:p14="http://schemas.microsoft.com/office/powerpoint/2010/main" xmlns="" val="649630177"/>
       </p:ext>
     </p:extLst>
   </p:cSld>
@@ -792,7 +798,8 @@
           <a:p>
             <a:fld id="{55C371A2-AE66-436D-88BF-2B6C054A99A6}" type="datetimeFigureOut">
               <a:rPr lang="en-US" smtClean="0"/>
-              <a:t>12/5/2019</a:t>
+              <a:pPr/>
+              <a:t>4/17/2020</a:t>
             </a:fld>
             <a:endParaRPr lang="en-US"/>
           </a:p>
@@ -834,6 +841,7 @@
           <a:p>
             <a:fld id="{C2F48D40-14FD-4BC2-A878-E616B286A2EB}" type="slidenum">
               <a:rPr lang="en-US" smtClean="0"/>
+              <a:pPr/>
               <a:t>‹#›</a:t>
             </a:fld>
             <a:endParaRPr lang="en-US"/>
@@ -843,7 +851,7 @@
     </p:spTree>
     <p:extLst>
       <p:ext uri="{BB962C8B-B14F-4D97-AF65-F5344CB8AC3E}">
-        <p14:creationId xmlns:p14="http://schemas.microsoft.com/office/powerpoint/2010/main" val="328842484"/>
+        <p14:creationId xmlns:p14="http://schemas.microsoft.com/office/powerpoint/2010/main" xmlns="" val="328842484"/>
       </p:ext>
     </p:extLst>
   </p:cSld>
@@ -1038,7 +1046,8 @@
           <a:p>
             <a:fld id="{55C371A2-AE66-436D-88BF-2B6C054A99A6}" type="datetimeFigureOut">
               <a:rPr lang="en-US" smtClean="0"/>
-              <a:t>12/5/2019</a:t>
+              <a:pPr/>
+              <a:t>4/17/2020</a:t>
             </a:fld>
             <a:endParaRPr lang="en-US"/>
           </a:p>
@@ -1080,6 +1089,7 @@
           <a:p>
             <a:fld id="{C2F48D40-14FD-4BC2-A878-E616B286A2EB}" type="slidenum">
               <a:rPr lang="en-US" smtClean="0"/>
+              <a:pPr/>
               <a:t>‹#›</a:t>
             </a:fld>
             <a:endParaRPr lang="en-US"/>
@@ -1089,7 +1099,7 @@
     </p:spTree>
     <p:extLst>
       <p:ext uri="{BB962C8B-B14F-4D97-AF65-F5344CB8AC3E}">
-        <p14:creationId xmlns:p14="http://schemas.microsoft.com/office/powerpoint/2010/main" val="636313846"/>
+        <p14:creationId xmlns:p14="http://schemas.microsoft.com/office/powerpoint/2010/main" xmlns="" val="636313846"/>
       </p:ext>
     </p:extLst>
   </p:cSld>
@@ -1270,7 +1280,8 @@
           <a:p>
             <a:fld id="{55C371A2-AE66-436D-88BF-2B6C054A99A6}" type="datetimeFigureOut">
               <a:rPr lang="en-US" smtClean="0"/>
-              <a:t>12/5/2019</a:t>
+              <a:pPr/>
+              <a:t>4/17/2020</a:t>
             </a:fld>
             <a:endParaRPr lang="en-US"/>
           </a:p>
@@ -1312,6 +1323,7 @@
           <a:p>
             <a:fld id="{C2F48D40-14FD-4BC2-A878-E616B286A2EB}" type="slidenum">
               <a:rPr lang="en-US" smtClean="0"/>
+              <a:pPr/>
               <a:t>‹#›</a:t>
             </a:fld>
             <a:endParaRPr lang="en-US"/>
@@ -1321,7 +1333,7 @@
     </p:spTree>
     <p:extLst>
       <p:ext uri="{BB962C8B-B14F-4D97-AF65-F5344CB8AC3E}">
-        <p14:creationId xmlns:p14="http://schemas.microsoft.com/office/powerpoint/2010/main" val="1622344737"/>
+        <p14:creationId xmlns:p14="http://schemas.microsoft.com/office/powerpoint/2010/main" xmlns="" val="1622344737"/>
       </p:ext>
     </p:extLst>
   </p:cSld>
@@ -1637,7 +1649,8 @@
           <a:p>
             <a:fld id="{55C371A2-AE66-436D-88BF-2B6C054A99A6}" type="datetimeFigureOut">
               <a:rPr lang="en-US" smtClean="0"/>
-              <a:t>12/5/2019</a:t>
+              <a:pPr/>
+              <a:t>4/17/2020</a:t>
             </a:fld>
             <a:endParaRPr lang="en-US"/>
           </a:p>
@@ -1679,6 +1692,7 @@
           <a:p>
             <a:fld id="{C2F48D40-14FD-4BC2-A878-E616B286A2EB}" type="slidenum">
               <a:rPr lang="en-US" smtClean="0"/>
+              <a:pPr/>
               <a:t>‹#›</a:t>
             </a:fld>
             <a:endParaRPr lang="en-US"/>
@@ -1688,7 +1702,7 @@
     </p:spTree>
     <p:extLst>
       <p:ext uri="{BB962C8B-B14F-4D97-AF65-F5344CB8AC3E}">
-        <p14:creationId xmlns:p14="http://schemas.microsoft.com/office/powerpoint/2010/main" val="2339219238"/>
+        <p14:creationId xmlns:p14="http://schemas.microsoft.com/office/powerpoint/2010/main" xmlns="" val="2339219238"/>
       </p:ext>
     </p:extLst>
   </p:cSld>
@@ -1755,7 +1769,8 @@
           <a:p>
             <a:fld id="{55C371A2-AE66-436D-88BF-2B6C054A99A6}" type="datetimeFigureOut">
               <a:rPr lang="en-US" smtClean="0"/>
-              <a:t>12/5/2019</a:t>
+              <a:pPr/>
+              <a:t>4/17/2020</a:t>
             </a:fld>
             <a:endParaRPr lang="en-US"/>
           </a:p>
@@ -1797,6 +1812,7 @@
           <a:p>
             <a:fld id="{C2F48D40-14FD-4BC2-A878-E616B286A2EB}" type="slidenum">
               <a:rPr lang="en-US" smtClean="0"/>
+              <a:pPr/>
               <a:t>‹#›</a:t>
             </a:fld>
             <a:endParaRPr lang="en-US"/>
@@ -1806,7 +1822,7 @@
     </p:spTree>
     <p:extLst>
       <p:ext uri="{BB962C8B-B14F-4D97-AF65-F5344CB8AC3E}">
-        <p14:creationId xmlns:p14="http://schemas.microsoft.com/office/powerpoint/2010/main" val="3559691733"/>
+        <p14:creationId xmlns:p14="http://schemas.microsoft.com/office/powerpoint/2010/main" xmlns="" val="3559691733"/>
       </p:ext>
     </p:extLst>
   </p:cSld>
@@ -1850,7 +1866,8 @@
           <a:p>
             <a:fld id="{55C371A2-AE66-436D-88BF-2B6C054A99A6}" type="datetimeFigureOut">
               <a:rPr lang="en-US" smtClean="0"/>
-              <a:t>12/5/2019</a:t>
+              <a:pPr/>
+              <a:t>4/17/2020</a:t>
             </a:fld>
             <a:endParaRPr lang="en-US"/>
           </a:p>
@@ -1892,6 +1909,7 @@
           <a:p>
             <a:fld id="{C2F48D40-14FD-4BC2-A878-E616B286A2EB}" type="slidenum">
               <a:rPr lang="en-US" smtClean="0"/>
+              <a:pPr/>
               <a:t>‹#›</a:t>
             </a:fld>
             <a:endParaRPr lang="en-US"/>
@@ -1901,7 +1919,7 @@
     </p:spTree>
     <p:extLst>
       <p:ext uri="{BB962C8B-B14F-4D97-AF65-F5344CB8AC3E}">
-        <p14:creationId xmlns:p14="http://schemas.microsoft.com/office/powerpoint/2010/main" val="4163376526"/>
+        <p14:creationId xmlns:p14="http://schemas.microsoft.com/office/powerpoint/2010/main" xmlns="" val="4163376526"/>
       </p:ext>
     </p:extLst>
   </p:cSld>
@@ -2127,7 +2145,8 @@
           <a:p>
             <a:fld id="{55C371A2-AE66-436D-88BF-2B6C054A99A6}" type="datetimeFigureOut">
               <a:rPr lang="en-US" smtClean="0"/>
-              <a:t>12/5/2019</a:t>
+              <a:pPr/>
+              <a:t>4/17/2020</a:t>
             </a:fld>
             <a:endParaRPr lang="en-US"/>
           </a:p>
@@ -2169,6 +2188,7 @@
           <a:p>
             <a:fld id="{C2F48D40-14FD-4BC2-A878-E616B286A2EB}" type="slidenum">
               <a:rPr lang="en-US" smtClean="0"/>
+              <a:pPr/>
               <a:t>‹#›</a:t>
             </a:fld>
             <a:endParaRPr lang="en-US"/>
@@ -2178,7 +2198,7 @@
     </p:spTree>
     <p:extLst>
       <p:ext uri="{BB962C8B-B14F-4D97-AF65-F5344CB8AC3E}">
-        <p14:creationId xmlns:p14="http://schemas.microsoft.com/office/powerpoint/2010/main" val="1598344582"/>
+        <p14:creationId xmlns:p14="http://schemas.microsoft.com/office/powerpoint/2010/main" xmlns="" val="1598344582"/>
       </p:ext>
     </p:extLst>
   </p:cSld>
@@ -2380,7 +2400,8 @@
           <a:p>
             <a:fld id="{55C371A2-AE66-436D-88BF-2B6C054A99A6}" type="datetimeFigureOut">
               <a:rPr lang="en-US" smtClean="0"/>
-              <a:t>12/5/2019</a:t>
+              <a:pPr/>
+              <a:t>4/17/2020</a:t>
             </a:fld>
             <a:endParaRPr lang="en-US"/>
           </a:p>
@@ -2422,6 +2443,7 @@
           <a:p>
             <a:fld id="{C2F48D40-14FD-4BC2-A878-E616B286A2EB}" type="slidenum">
               <a:rPr lang="en-US" smtClean="0"/>
+              <a:pPr/>
               <a:t>‹#›</a:t>
             </a:fld>
             <a:endParaRPr lang="en-US"/>
@@ -2431,7 +2453,7 @@
     </p:spTree>
     <p:extLst>
       <p:ext uri="{BB962C8B-B14F-4D97-AF65-F5344CB8AC3E}">
-        <p14:creationId xmlns:p14="http://schemas.microsoft.com/office/powerpoint/2010/main" val="3300901852"/>
+        <p14:creationId xmlns:p14="http://schemas.microsoft.com/office/powerpoint/2010/main" xmlns="" val="3300901852"/>
       </p:ext>
     </p:extLst>
   </p:cSld>
@@ -2593,7 +2615,8 @@
           <a:p>
             <a:fld id="{55C371A2-AE66-436D-88BF-2B6C054A99A6}" type="datetimeFigureOut">
               <a:rPr lang="en-US" smtClean="0"/>
-              <a:t>12/5/2019</a:t>
+              <a:pPr/>
+              <a:t>4/17/2020</a:t>
             </a:fld>
             <a:endParaRPr lang="en-US"/>
           </a:p>
@@ -2671,6 +2694,7 @@
           <a:p>
             <a:fld id="{C2F48D40-14FD-4BC2-A878-E616B286A2EB}" type="slidenum">
               <a:rPr lang="en-US" smtClean="0"/>
+              <a:pPr/>
               <a:t>‹#›</a:t>
             </a:fld>
             <a:endParaRPr lang="en-US"/>
@@ -2680,7 +2704,7 @@
     </p:spTree>
     <p:extLst>
       <p:ext uri="{BB962C8B-B14F-4D97-AF65-F5344CB8AC3E}">
-        <p14:creationId xmlns:p14="http://schemas.microsoft.com/office/powerpoint/2010/main" val="4158014188"/>
+        <p14:creationId xmlns:p14="http://schemas.microsoft.com/office/powerpoint/2010/main" xmlns="" val="4158014188"/>
       </p:ext>
     </p:extLst>
   </p:cSld>
@@ -3044,10 +3068,40 @@
           </a:p>
         </p:txBody>
       </p:sp>
+      <p:pic>
+        <p:nvPicPr>
+          <p:cNvPr id="4" name="Picture 3"/>
+          <p:cNvPicPr>
+            <a:picLocks noChangeAspect="1"/>
+          </p:cNvPicPr>
+          <p:nvPr/>
+        </p:nvPicPr>
+        <p:blipFill>
+          <a:blip r:embed="rId2" cstate="print">
+            <a:extLst>
+              <a:ext uri="{28A0092B-C50C-407E-A947-70E740481C1C}">
+                <a14:useLocalDpi xmlns:a14="http://schemas.microsoft.com/office/drawing/2010/main" xmlns="" xmlns:lc="http://schemas.openxmlformats.org/drawingml/2006/lockedCanvas" val="0"/>
+              </a:ext>
+            </a:extLst>
+          </a:blip>
+          <a:stretch>
+            <a:fillRect/>
+          </a:stretch>
+        </p:blipFill>
+        <p:spPr>
+          <a:xfrm>
+            <a:off x="0" y="0"/>
+            <a:ext cx="1062463" cy="751114"/>
+          </a:xfrm>
+          <a:prstGeom prst="rect">
+            <a:avLst/>
+          </a:prstGeom>
+        </p:spPr>
+      </p:pic>
     </p:spTree>
     <p:extLst>
       <p:ext uri="{BB962C8B-B14F-4D97-AF65-F5344CB8AC3E}">
-        <p14:creationId xmlns:p14="http://schemas.microsoft.com/office/powerpoint/2010/main" val="2034775344"/>
+        <p14:creationId xmlns:p14="http://schemas.microsoft.com/office/powerpoint/2010/main" xmlns="" val="2034775344"/>
       </p:ext>
     </p:extLst>
   </p:cSld>
@@ -3118,7 +3172,7 @@
           <a:blip r:embed="rId2">
             <a:extLst>
               <a:ext uri="{28A0092B-C50C-407E-A947-70E740481C1C}">
-                <a14:useLocalDpi xmlns:a14="http://schemas.microsoft.com/office/drawing/2010/main" val="0"/>
+                <a14:useLocalDpi xmlns:a14="http://schemas.microsoft.com/office/drawing/2010/main" xmlns="" val="0"/>
               </a:ext>
             </a:extLst>
           </a:blip>
@@ -3138,7 +3192,7 @@
           <a:noFill/>
           <a:extLst>
             <a:ext uri="{909E8E84-426E-40DD-AFC4-6F175D3DCCD1}">
-              <a14:hiddenFill xmlns:a14="http://schemas.microsoft.com/office/drawing/2010/main">
+              <a14:hiddenFill xmlns:a14="http://schemas.microsoft.com/office/drawing/2010/main" xmlns="">
                 <a:solidFill>
                   <a:srgbClr val="FFFFFF"/>
                 </a:solidFill>
@@ -3147,10 +3201,40 @@
           </a:extLst>
         </p:spPr>
       </p:pic>
+      <p:pic>
+        <p:nvPicPr>
+          <p:cNvPr id="4" name="Picture 3"/>
+          <p:cNvPicPr>
+            <a:picLocks noChangeAspect="1"/>
+          </p:cNvPicPr>
+          <p:nvPr/>
+        </p:nvPicPr>
+        <p:blipFill>
+          <a:blip r:embed="rId3" cstate="print">
+            <a:extLst>
+              <a:ext uri="{28A0092B-C50C-407E-A947-70E740481C1C}">
+                <a14:useLocalDpi xmlns:a14="http://schemas.microsoft.com/office/drawing/2010/main" xmlns="" xmlns:lc="http://schemas.openxmlformats.org/drawingml/2006/lockedCanvas" val="0"/>
+              </a:ext>
+            </a:extLst>
+          </a:blip>
+          <a:stretch>
+            <a:fillRect/>
+          </a:stretch>
+        </p:blipFill>
+        <p:spPr>
+          <a:xfrm>
+            <a:off x="0" y="0"/>
+            <a:ext cx="1062463" cy="751114"/>
+          </a:xfrm>
+          <a:prstGeom prst="rect">
+            <a:avLst/>
+          </a:prstGeom>
+        </p:spPr>
+      </p:pic>
     </p:spTree>
     <p:extLst>
       <p:ext uri="{BB962C8B-B14F-4D97-AF65-F5344CB8AC3E}">
-        <p14:creationId xmlns:p14="http://schemas.microsoft.com/office/powerpoint/2010/main" val="2369116012"/>
+        <p14:creationId xmlns:p14="http://schemas.microsoft.com/office/powerpoint/2010/main" xmlns="" val="2369116012"/>
       </p:ext>
     </p:extLst>
   </p:cSld>
@@ -3221,7 +3305,7 @@
           <a:blip r:embed="rId2">
             <a:extLst>
               <a:ext uri="{28A0092B-C50C-407E-A947-70E740481C1C}">
-                <a14:useLocalDpi xmlns:a14="http://schemas.microsoft.com/office/drawing/2010/main" val="0"/>
+                <a14:useLocalDpi xmlns:a14="http://schemas.microsoft.com/office/drawing/2010/main" xmlns="" val="0"/>
               </a:ext>
             </a:extLst>
           </a:blip>
@@ -3241,7 +3325,7 @@
           <a:noFill/>
           <a:extLst>
             <a:ext uri="{909E8E84-426E-40DD-AFC4-6F175D3DCCD1}">
-              <a14:hiddenFill xmlns:a14="http://schemas.microsoft.com/office/drawing/2010/main">
+              <a14:hiddenFill xmlns:a14="http://schemas.microsoft.com/office/drawing/2010/main" xmlns="">
                 <a:solidFill>
                   <a:srgbClr val="FFFFFF"/>
                 </a:solidFill>
@@ -3250,10 +3334,40 @@
           </a:extLst>
         </p:spPr>
       </p:pic>
+      <p:pic>
+        <p:nvPicPr>
+          <p:cNvPr id="4" name="Picture 3"/>
+          <p:cNvPicPr>
+            <a:picLocks noChangeAspect="1"/>
+          </p:cNvPicPr>
+          <p:nvPr/>
+        </p:nvPicPr>
+        <p:blipFill>
+          <a:blip r:embed="rId3" cstate="print">
+            <a:extLst>
+              <a:ext uri="{28A0092B-C50C-407E-A947-70E740481C1C}">
+                <a14:useLocalDpi xmlns:a14="http://schemas.microsoft.com/office/drawing/2010/main" xmlns="" xmlns:lc="http://schemas.openxmlformats.org/drawingml/2006/lockedCanvas" val="0"/>
+              </a:ext>
+            </a:extLst>
+          </a:blip>
+          <a:stretch>
+            <a:fillRect/>
+          </a:stretch>
+        </p:blipFill>
+        <p:spPr>
+          <a:xfrm>
+            <a:off x="0" y="0"/>
+            <a:ext cx="1062463" cy="751114"/>
+          </a:xfrm>
+          <a:prstGeom prst="rect">
+            <a:avLst/>
+          </a:prstGeom>
+        </p:spPr>
+      </p:pic>
     </p:spTree>
     <p:extLst>
       <p:ext uri="{BB962C8B-B14F-4D97-AF65-F5344CB8AC3E}">
-        <p14:creationId xmlns:p14="http://schemas.microsoft.com/office/powerpoint/2010/main" val="4147083048"/>
+        <p14:creationId xmlns:p14="http://schemas.microsoft.com/office/powerpoint/2010/main" xmlns="" val="4147083048"/>
       </p:ext>
     </p:extLst>
   </p:cSld>
@@ -3341,10 +3455,40 @@
           </a:p>
         </p:txBody>
       </p:sp>
+      <p:pic>
+        <p:nvPicPr>
+          <p:cNvPr id="4" name="Picture 3"/>
+          <p:cNvPicPr>
+            <a:picLocks noChangeAspect="1"/>
+          </p:cNvPicPr>
+          <p:nvPr/>
+        </p:nvPicPr>
+        <p:blipFill>
+          <a:blip r:embed="rId2" cstate="print">
+            <a:extLst>
+              <a:ext uri="{28A0092B-C50C-407E-A947-70E740481C1C}">
+                <a14:useLocalDpi xmlns:a14="http://schemas.microsoft.com/office/drawing/2010/main" xmlns="" xmlns:lc="http://schemas.openxmlformats.org/drawingml/2006/lockedCanvas" val="0"/>
+              </a:ext>
+            </a:extLst>
+          </a:blip>
+          <a:stretch>
+            <a:fillRect/>
+          </a:stretch>
+        </p:blipFill>
+        <p:spPr>
+          <a:xfrm>
+            <a:off x="0" y="0"/>
+            <a:ext cx="1062463" cy="751114"/>
+          </a:xfrm>
+          <a:prstGeom prst="rect">
+            <a:avLst/>
+          </a:prstGeom>
+        </p:spPr>
+      </p:pic>
     </p:spTree>
     <p:extLst>
       <p:ext uri="{BB962C8B-B14F-4D97-AF65-F5344CB8AC3E}">
-        <p14:creationId xmlns:p14="http://schemas.microsoft.com/office/powerpoint/2010/main" val="4119091762"/>
+        <p14:creationId xmlns:p14="http://schemas.microsoft.com/office/powerpoint/2010/main" xmlns="" val="4119091762"/>
       </p:ext>
     </p:extLst>
   </p:cSld>
@@ -3408,7 +3552,7 @@
           <a:blip r:embed="rId2">
             <a:extLst>
               <a:ext uri="{28A0092B-C50C-407E-A947-70E740481C1C}">
-                <a14:useLocalDpi xmlns:a14="http://schemas.microsoft.com/office/drawing/2010/main" val="0"/>
+                <a14:useLocalDpi xmlns:a14="http://schemas.microsoft.com/office/drawing/2010/main" xmlns="" val="0"/>
               </a:ext>
             </a:extLst>
           </a:blip>
@@ -3428,7 +3572,7 @@
           <a:noFill/>
           <a:extLst>
             <a:ext uri="{909E8E84-426E-40DD-AFC4-6F175D3DCCD1}">
-              <a14:hiddenFill xmlns:a14="http://schemas.microsoft.com/office/drawing/2010/main">
+              <a14:hiddenFill xmlns:a14="http://schemas.microsoft.com/office/drawing/2010/main" xmlns="">
                 <a:solidFill>
                   <a:srgbClr val="FFFFFF"/>
                 </a:solidFill>
@@ -3437,10 +3581,40 @@
           </a:extLst>
         </p:spPr>
       </p:pic>
+      <p:pic>
+        <p:nvPicPr>
+          <p:cNvPr id="4" name="Picture 3"/>
+          <p:cNvPicPr>
+            <a:picLocks noChangeAspect="1"/>
+          </p:cNvPicPr>
+          <p:nvPr/>
+        </p:nvPicPr>
+        <p:blipFill>
+          <a:blip r:embed="rId3" cstate="print">
+            <a:extLst>
+              <a:ext uri="{28A0092B-C50C-407E-A947-70E740481C1C}">
+                <a14:useLocalDpi xmlns:a14="http://schemas.microsoft.com/office/drawing/2010/main" xmlns="" xmlns:lc="http://schemas.openxmlformats.org/drawingml/2006/lockedCanvas" val="0"/>
+              </a:ext>
+            </a:extLst>
+          </a:blip>
+          <a:stretch>
+            <a:fillRect/>
+          </a:stretch>
+        </p:blipFill>
+        <p:spPr>
+          <a:xfrm>
+            <a:off x="0" y="0"/>
+            <a:ext cx="1062463" cy="751114"/>
+          </a:xfrm>
+          <a:prstGeom prst="rect">
+            <a:avLst/>
+          </a:prstGeom>
+        </p:spPr>
+      </p:pic>
     </p:spTree>
     <p:extLst>
       <p:ext uri="{BB962C8B-B14F-4D97-AF65-F5344CB8AC3E}">
-        <p14:creationId xmlns:p14="http://schemas.microsoft.com/office/powerpoint/2010/main" val="3901208661"/>
+        <p14:creationId xmlns:p14="http://schemas.microsoft.com/office/powerpoint/2010/main" xmlns="" val="3901208661"/>
       </p:ext>
     </p:extLst>
   </p:cSld>
@@ -3522,10 +3696,40 @@
           </a:p>
         </p:txBody>
       </p:sp>
+      <p:pic>
+        <p:nvPicPr>
+          <p:cNvPr id="4" name="Picture 3"/>
+          <p:cNvPicPr>
+            <a:picLocks noChangeAspect="1"/>
+          </p:cNvPicPr>
+          <p:nvPr/>
+        </p:nvPicPr>
+        <p:blipFill>
+          <a:blip r:embed="rId2" cstate="print">
+            <a:extLst>
+              <a:ext uri="{28A0092B-C50C-407E-A947-70E740481C1C}">
+                <a14:useLocalDpi xmlns:a14="http://schemas.microsoft.com/office/drawing/2010/main" xmlns="" xmlns:lc="http://schemas.openxmlformats.org/drawingml/2006/lockedCanvas" val="0"/>
+              </a:ext>
+            </a:extLst>
+          </a:blip>
+          <a:stretch>
+            <a:fillRect/>
+          </a:stretch>
+        </p:blipFill>
+        <p:spPr>
+          <a:xfrm>
+            <a:off x="0" y="0"/>
+            <a:ext cx="1062463" cy="751114"/>
+          </a:xfrm>
+          <a:prstGeom prst="rect">
+            <a:avLst/>
+          </a:prstGeom>
+        </p:spPr>
+      </p:pic>
     </p:spTree>
     <p:extLst>
       <p:ext uri="{BB962C8B-B14F-4D97-AF65-F5344CB8AC3E}">
-        <p14:creationId xmlns:p14="http://schemas.microsoft.com/office/powerpoint/2010/main" val="519918024"/>
+        <p14:creationId xmlns:p14="http://schemas.microsoft.com/office/powerpoint/2010/main" xmlns="" val="519918024"/>
       </p:ext>
     </p:extLst>
   </p:cSld>
@@ -3593,7 +3797,7 @@
           <a:blip r:embed="rId2">
             <a:extLst>
               <a:ext uri="{28A0092B-C50C-407E-A947-70E740481C1C}">
-                <a14:useLocalDpi xmlns:a14="http://schemas.microsoft.com/office/drawing/2010/main" val="0"/>
+                <a14:useLocalDpi xmlns:a14="http://schemas.microsoft.com/office/drawing/2010/main" xmlns="" val="0"/>
               </a:ext>
             </a:extLst>
           </a:blip>
@@ -3613,7 +3817,7 @@
           <a:noFill/>
           <a:extLst>
             <a:ext uri="{909E8E84-426E-40DD-AFC4-6F175D3DCCD1}">
-              <a14:hiddenFill xmlns:a14="http://schemas.microsoft.com/office/drawing/2010/main">
+              <a14:hiddenFill xmlns:a14="http://schemas.microsoft.com/office/drawing/2010/main" xmlns="">
                 <a:solidFill>
                   <a:srgbClr val="FFFFFF"/>
                 </a:solidFill>
@@ -3622,10 +3826,40 @@
           </a:extLst>
         </p:spPr>
       </p:pic>
+      <p:pic>
+        <p:nvPicPr>
+          <p:cNvPr id="4" name="Picture 3"/>
+          <p:cNvPicPr>
+            <a:picLocks noChangeAspect="1"/>
+          </p:cNvPicPr>
+          <p:nvPr/>
+        </p:nvPicPr>
+        <p:blipFill>
+          <a:blip r:embed="rId3" cstate="print">
+            <a:extLst>
+              <a:ext uri="{28A0092B-C50C-407E-A947-70E740481C1C}">
+                <a14:useLocalDpi xmlns:a14="http://schemas.microsoft.com/office/drawing/2010/main" xmlns="" xmlns:lc="http://schemas.openxmlformats.org/drawingml/2006/lockedCanvas" val="0"/>
+              </a:ext>
+            </a:extLst>
+          </a:blip>
+          <a:stretch>
+            <a:fillRect/>
+          </a:stretch>
+        </p:blipFill>
+        <p:spPr>
+          <a:xfrm>
+            <a:off x="0" y="0"/>
+            <a:ext cx="1062463" cy="751114"/>
+          </a:xfrm>
+          <a:prstGeom prst="rect">
+            <a:avLst/>
+          </a:prstGeom>
+        </p:spPr>
+      </p:pic>
     </p:spTree>
     <p:extLst>
       <p:ext uri="{BB962C8B-B14F-4D97-AF65-F5344CB8AC3E}">
-        <p14:creationId xmlns:p14="http://schemas.microsoft.com/office/powerpoint/2010/main" val="1780271409"/>
+        <p14:creationId xmlns:p14="http://schemas.microsoft.com/office/powerpoint/2010/main" xmlns="" val="1780271409"/>
       </p:ext>
     </p:extLst>
   </p:cSld>
@@ -3723,14 +3957,14 @@
           <a:effectLst/>
           <a:extLst>
             <a:ext uri="{909E8E84-426E-40DD-AFC4-6F175D3DCCD1}">
-              <a14:hiddenFill xmlns:a14="http://schemas.microsoft.com/office/drawing/2010/main">
+              <a14:hiddenFill xmlns:a14="http://schemas.microsoft.com/office/drawing/2010/main" xmlns="">
                 <a:solidFill>
                   <a:schemeClr val="accent1"/>
                 </a:solidFill>
               </a14:hiddenFill>
             </a:ext>
             <a:ext uri="{91240B29-F687-4F45-9708-019B960494DF}">
-              <a14:hiddenLine xmlns:a14="http://schemas.microsoft.com/office/drawing/2010/main" w="9525">
+              <a14:hiddenLine xmlns:a14="http://schemas.microsoft.com/office/drawing/2010/main" xmlns="" w="9525">
                 <a:solidFill>
                   <a:schemeClr val="tx1"/>
                 </a:solidFill>
@@ -3740,7 +3974,7 @@
               </a14:hiddenLine>
             </a:ext>
             <a:ext uri="{AF507438-7753-43E0-B8FC-AC1667EBCBE1}">
-              <a14:hiddenEffects xmlns:a14="http://schemas.microsoft.com/office/drawing/2010/main">
+              <a14:hiddenEffects xmlns:a14="http://schemas.microsoft.com/office/drawing/2010/main" xmlns="">
                 <a:effectLst>
                   <a:outerShdw dist="35921" dir="2700000" algn="ctr" rotWithShape="0">
                     <a:schemeClr val="bg2"/>
@@ -3828,7 +4062,7 @@
           <a:blip r:embed="rId2">
             <a:extLst>
               <a:ext uri="{28A0092B-C50C-407E-A947-70E740481C1C}">
-                <a14:useLocalDpi xmlns:a14="http://schemas.microsoft.com/office/drawing/2010/main" val="0"/>
+                <a14:useLocalDpi xmlns:a14="http://schemas.microsoft.com/office/drawing/2010/main" xmlns="" val="0"/>
               </a:ext>
             </a:extLst>
           </a:blip>
@@ -3848,7 +4082,7 @@
           <a:noFill/>
           <a:extLst>
             <a:ext uri="{909E8E84-426E-40DD-AFC4-6F175D3DCCD1}">
-              <a14:hiddenFill xmlns:a14="http://schemas.microsoft.com/office/drawing/2010/main">
+              <a14:hiddenFill xmlns:a14="http://schemas.microsoft.com/office/drawing/2010/main" xmlns="">
                 <a:solidFill>
                   <a:srgbClr val="FFFFFF"/>
                 </a:solidFill>
@@ -4079,10 +4313,40 @@
           </a:p>
         </p:txBody>
       </p:sp>
+      <p:pic>
+        <p:nvPicPr>
+          <p:cNvPr id="8" name="Picture 7"/>
+          <p:cNvPicPr>
+            <a:picLocks noChangeAspect="1"/>
+          </p:cNvPicPr>
+          <p:nvPr/>
+        </p:nvPicPr>
+        <p:blipFill>
+          <a:blip r:embed="rId3" cstate="print">
+            <a:extLst>
+              <a:ext uri="{28A0092B-C50C-407E-A947-70E740481C1C}">
+                <a14:useLocalDpi xmlns:a14="http://schemas.microsoft.com/office/drawing/2010/main" xmlns="" xmlns:lc="http://schemas.openxmlformats.org/drawingml/2006/lockedCanvas" val="0"/>
+              </a:ext>
+            </a:extLst>
+          </a:blip>
+          <a:stretch>
+            <a:fillRect/>
+          </a:stretch>
+        </p:blipFill>
+        <p:spPr>
+          <a:xfrm>
+            <a:off x="0" y="0"/>
+            <a:ext cx="1062463" cy="751114"/>
+          </a:xfrm>
+          <a:prstGeom prst="rect">
+            <a:avLst/>
+          </a:prstGeom>
+        </p:spPr>
+      </p:pic>
     </p:spTree>
     <p:extLst>
       <p:ext uri="{BB962C8B-B14F-4D97-AF65-F5344CB8AC3E}">
-        <p14:creationId xmlns:p14="http://schemas.microsoft.com/office/powerpoint/2010/main" val="2938849023"/>
+        <p14:creationId xmlns:p14="http://schemas.microsoft.com/office/powerpoint/2010/main" xmlns="" val="2938849023"/>
       </p:ext>
     </p:extLst>
   </p:cSld>
@@ -4146,7 +4410,7 @@
           <a:blip r:embed="rId2">
             <a:extLst>
               <a:ext uri="{28A0092B-C50C-407E-A947-70E740481C1C}">
-                <a14:useLocalDpi xmlns:a14="http://schemas.microsoft.com/office/drawing/2010/main" val="0"/>
+                <a14:useLocalDpi xmlns:a14="http://schemas.microsoft.com/office/drawing/2010/main" xmlns="" val="0"/>
               </a:ext>
             </a:extLst>
           </a:blip>
@@ -4166,7 +4430,7 @@
           <a:noFill/>
           <a:extLst>
             <a:ext uri="{909E8E84-426E-40DD-AFC4-6F175D3DCCD1}">
-              <a14:hiddenFill xmlns:a14="http://schemas.microsoft.com/office/drawing/2010/main">
+              <a14:hiddenFill xmlns:a14="http://schemas.microsoft.com/office/drawing/2010/main" xmlns="">
                 <a:solidFill>
                   <a:srgbClr val="FFFFFF"/>
                 </a:solidFill>
@@ -4175,10 +4439,40 @@
           </a:extLst>
         </p:spPr>
       </p:pic>
+      <p:pic>
+        <p:nvPicPr>
+          <p:cNvPr id="4" name="Picture 3"/>
+          <p:cNvPicPr>
+            <a:picLocks noChangeAspect="1"/>
+          </p:cNvPicPr>
+          <p:nvPr/>
+        </p:nvPicPr>
+        <p:blipFill>
+          <a:blip r:embed="rId3" cstate="print">
+            <a:extLst>
+              <a:ext uri="{28A0092B-C50C-407E-A947-70E740481C1C}">
+                <a14:useLocalDpi xmlns:a14="http://schemas.microsoft.com/office/drawing/2010/main" xmlns="" xmlns:lc="http://schemas.openxmlformats.org/drawingml/2006/lockedCanvas" val="0"/>
+              </a:ext>
+            </a:extLst>
+          </a:blip>
+          <a:stretch>
+            <a:fillRect/>
+          </a:stretch>
+        </p:blipFill>
+        <p:spPr>
+          <a:xfrm>
+            <a:off x="0" y="0"/>
+            <a:ext cx="1062463" cy="751114"/>
+          </a:xfrm>
+          <a:prstGeom prst="rect">
+            <a:avLst/>
+          </a:prstGeom>
+        </p:spPr>
+      </p:pic>
     </p:spTree>
     <p:extLst>
       <p:ext uri="{BB962C8B-B14F-4D97-AF65-F5344CB8AC3E}">
-        <p14:creationId xmlns:p14="http://schemas.microsoft.com/office/powerpoint/2010/main" val="2115998401"/>
+        <p14:creationId xmlns:p14="http://schemas.microsoft.com/office/powerpoint/2010/main" xmlns="" val="2115998401"/>
       </p:ext>
     </p:extLst>
   </p:cSld>
@@ -4242,7 +4536,7 @@
           <a:blip r:embed="rId2">
             <a:extLst>
               <a:ext uri="{28A0092B-C50C-407E-A947-70E740481C1C}">
-                <a14:useLocalDpi xmlns:a14="http://schemas.microsoft.com/office/drawing/2010/main" val="0"/>
+                <a14:useLocalDpi xmlns:a14="http://schemas.microsoft.com/office/drawing/2010/main" xmlns="" val="0"/>
               </a:ext>
             </a:extLst>
           </a:blip>
@@ -4262,7 +4556,7 @@
           <a:noFill/>
           <a:extLst>
             <a:ext uri="{909E8E84-426E-40DD-AFC4-6F175D3DCCD1}">
-              <a14:hiddenFill xmlns:a14="http://schemas.microsoft.com/office/drawing/2010/main">
+              <a14:hiddenFill xmlns:a14="http://schemas.microsoft.com/office/drawing/2010/main" xmlns="">
                 <a:solidFill>
                   <a:srgbClr val="FFFFFF"/>
                 </a:solidFill>
@@ -4435,10 +4729,40 @@
           </a:p>
         </p:txBody>
       </p:sp>
+      <p:pic>
+        <p:nvPicPr>
+          <p:cNvPr id="5" name="Picture 4"/>
+          <p:cNvPicPr>
+            <a:picLocks noChangeAspect="1"/>
+          </p:cNvPicPr>
+          <p:nvPr/>
+        </p:nvPicPr>
+        <p:blipFill>
+          <a:blip r:embed="rId3" cstate="print">
+            <a:extLst>
+              <a:ext uri="{28A0092B-C50C-407E-A947-70E740481C1C}">
+                <a14:useLocalDpi xmlns:a14="http://schemas.microsoft.com/office/drawing/2010/main" xmlns="" xmlns:lc="http://schemas.openxmlformats.org/drawingml/2006/lockedCanvas" val="0"/>
+              </a:ext>
+            </a:extLst>
+          </a:blip>
+          <a:stretch>
+            <a:fillRect/>
+          </a:stretch>
+        </p:blipFill>
+        <p:spPr>
+          <a:xfrm>
+            <a:off x="0" y="0"/>
+            <a:ext cx="1062463" cy="751114"/>
+          </a:xfrm>
+          <a:prstGeom prst="rect">
+            <a:avLst/>
+          </a:prstGeom>
+        </p:spPr>
+      </p:pic>
     </p:spTree>
     <p:extLst>
       <p:ext uri="{BB962C8B-B14F-4D97-AF65-F5344CB8AC3E}">
-        <p14:creationId xmlns:p14="http://schemas.microsoft.com/office/powerpoint/2010/main" val="3879662488"/>
+        <p14:creationId xmlns:p14="http://schemas.microsoft.com/office/powerpoint/2010/main" xmlns="" val="3879662488"/>
       </p:ext>
     </p:extLst>
   </p:cSld>
@@ -4540,7 +4864,7 @@
           <a:blip r:embed="rId2">
             <a:extLst>
               <a:ext uri="{28A0092B-C50C-407E-A947-70E740481C1C}">
-                <a14:useLocalDpi xmlns:a14="http://schemas.microsoft.com/office/drawing/2010/main" val="0"/>
+                <a14:useLocalDpi xmlns:a14="http://schemas.microsoft.com/office/drawing/2010/main" xmlns="" val="0"/>
               </a:ext>
             </a:extLst>
           </a:blip>
@@ -4560,7 +4884,7 @@
           <a:noFill/>
           <a:extLst>
             <a:ext uri="{909E8E84-426E-40DD-AFC4-6F175D3DCCD1}">
-              <a14:hiddenFill xmlns:a14="http://schemas.microsoft.com/office/drawing/2010/main">
+              <a14:hiddenFill xmlns:a14="http://schemas.microsoft.com/office/drawing/2010/main" xmlns="">
                 <a:solidFill>
                   <a:srgbClr val="FFFFFF"/>
                 </a:solidFill>
@@ -4569,10 +4893,40 @@
           </a:extLst>
         </p:spPr>
       </p:pic>
+      <p:pic>
+        <p:nvPicPr>
+          <p:cNvPr id="5" name="Picture 4"/>
+          <p:cNvPicPr>
+            <a:picLocks noChangeAspect="1"/>
+          </p:cNvPicPr>
+          <p:nvPr/>
+        </p:nvPicPr>
+        <p:blipFill>
+          <a:blip r:embed="rId3" cstate="print">
+            <a:extLst>
+              <a:ext uri="{28A0092B-C50C-407E-A947-70E740481C1C}">
+                <a14:useLocalDpi xmlns:a14="http://schemas.microsoft.com/office/drawing/2010/main" xmlns="" xmlns:lc="http://schemas.openxmlformats.org/drawingml/2006/lockedCanvas" val="0"/>
+              </a:ext>
+            </a:extLst>
+          </a:blip>
+          <a:stretch>
+            <a:fillRect/>
+          </a:stretch>
+        </p:blipFill>
+        <p:spPr>
+          <a:xfrm>
+            <a:off x="0" y="0"/>
+            <a:ext cx="1062463" cy="751114"/>
+          </a:xfrm>
+          <a:prstGeom prst="rect">
+            <a:avLst/>
+          </a:prstGeom>
+        </p:spPr>
+      </p:pic>
     </p:spTree>
     <p:extLst>
       <p:ext uri="{BB962C8B-B14F-4D97-AF65-F5344CB8AC3E}">
-        <p14:creationId xmlns:p14="http://schemas.microsoft.com/office/powerpoint/2010/main" val="258606965"/>
+        <p14:creationId xmlns:p14="http://schemas.microsoft.com/office/powerpoint/2010/main" xmlns="" val="258606965"/>
       </p:ext>
     </p:extLst>
   </p:cSld>
@@ -4661,10 +5015,40 @@
           </a:p>
         </p:txBody>
       </p:sp>
+      <p:pic>
+        <p:nvPicPr>
+          <p:cNvPr id="4" name="Picture 3"/>
+          <p:cNvPicPr>
+            <a:picLocks noChangeAspect="1"/>
+          </p:cNvPicPr>
+          <p:nvPr/>
+        </p:nvPicPr>
+        <p:blipFill>
+          <a:blip r:embed="rId2" cstate="print">
+            <a:extLst>
+              <a:ext uri="{28A0092B-C50C-407E-A947-70E740481C1C}">
+                <a14:useLocalDpi xmlns:a14="http://schemas.microsoft.com/office/drawing/2010/main" xmlns="" xmlns:lc="http://schemas.openxmlformats.org/drawingml/2006/lockedCanvas" val="0"/>
+              </a:ext>
+            </a:extLst>
+          </a:blip>
+          <a:stretch>
+            <a:fillRect/>
+          </a:stretch>
+        </p:blipFill>
+        <p:spPr>
+          <a:xfrm>
+            <a:off x="0" y="0"/>
+            <a:ext cx="1062463" cy="751114"/>
+          </a:xfrm>
+          <a:prstGeom prst="rect">
+            <a:avLst/>
+          </a:prstGeom>
+        </p:spPr>
+      </p:pic>
     </p:spTree>
     <p:extLst>
       <p:ext uri="{BB962C8B-B14F-4D97-AF65-F5344CB8AC3E}">
-        <p14:creationId xmlns:p14="http://schemas.microsoft.com/office/powerpoint/2010/main" val="4196602886"/>
+        <p14:creationId xmlns:p14="http://schemas.microsoft.com/office/powerpoint/2010/main" xmlns="" val="4196602886"/>
       </p:ext>
     </p:extLst>
   </p:cSld>
@@ -4749,7 +5133,7 @@
           <a:blip r:embed="rId2">
             <a:extLst>
               <a:ext uri="{28A0092B-C50C-407E-A947-70E740481C1C}">
-                <a14:useLocalDpi xmlns:a14="http://schemas.microsoft.com/office/drawing/2010/main" val="0"/>
+                <a14:useLocalDpi xmlns:a14="http://schemas.microsoft.com/office/drawing/2010/main" xmlns="" val="0"/>
               </a:ext>
             </a:extLst>
           </a:blip>
@@ -4769,7 +5153,7 @@
           <a:noFill/>
           <a:extLst>
             <a:ext uri="{909E8E84-426E-40DD-AFC4-6F175D3DCCD1}">
-              <a14:hiddenFill xmlns:a14="http://schemas.microsoft.com/office/drawing/2010/main">
+              <a14:hiddenFill xmlns:a14="http://schemas.microsoft.com/office/drawing/2010/main" xmlns="">
                 <a:solidFill>
                   <a:srgbClr val="FFFFFF"/>
                 </a:solidFill>
@@ -4778,10 +5162,40 @@
           </a:extLst>
         </p:spPr>
       </p:pic>
+      <p:pic>
+        <p:nvPicPr>
+          <p:cNvPr id="5" name="Picture 4"/>
+          <p:cNvPicPr>
+            <a:picLocks noChangeAspect="1"/>
+          </p:cNvPicPr>
+          <p:nvPr/>
+        </p:nvPicPr>
+        <p:blipFill>
+          <a:blip r:embed="rId3" cstate="print">
+            <a:extLst>
+              <a:ext uri="{28A0092B-C50C-407E-A947-70E740481C1C}">
+                <a14:useLocalDpi xmlns:a14="http://schemas.microsoft.com/office/drawing/2010/main" xmlns="" xmlns:lc="http://schemas.openxmlformats.org/drawingml/2006/lockedCanvas" val="0"/>
+              </a:ext>
+            </a:extLst>
+          </a:blip>
+          <a:stretch>
+            <a:fillRect/>
+          </a:stretch>
+        </p:blipFill>
+        <p:spPr>
+          <a:xfrm>
+            <a:off x="0" y="0"/>
+            <a:ext cx="1062463" cy="751114"/>
+          </a:xfrm>
+          <a:prstGeom prst="rect">
+            <a:avLst/>
+          </a:prstGeom>
+        </p:spPr>
+      </p:pic>
     </p:spTree>
     <p:extLst>
       <p:ext uri="{BB962C8B-B14F-4D97-AF65-F5344CB8AC3E}">
-        <p14:creationId xmlns:p14="http://schemas.microsoft.com/office/powerpoint/2010/main" val="1372352129"/>
+        <p14:creationId xmlns:p14="http://schemas.microsoft.com/office/powerpoint/2010/main" xmlns="" val="1372352129"/>
       </p:ext>
     </p:extLst>
   </p:cSld>
@@ -4845,7 +5259,7 @@
           <a:blip r:embed="rId2">
             <a:extLst>
               <a:ext uri="{28A0092B-C50C-407E-A947-70E740481C1C}">
-                <a14:useLocalDpi xmlns:a14="http://schemas.microsoft.com/office/drawing/2010/main" val="0"/>
+                <a14:useLocalDpi xmlns:a14="http://schemas.microsoft.com/office/drawing/2010/main" xmlns="" val="0"/>
               </a:ext>
             </a:extLst>
           </a:blip>
@@ -4865,7 +5279,7 @@
           <a:noFill/>
           <a:extLst>
             <a:ext uri="{909E8E84-426E-40DD-AFC4-6F175D3DCCD1}">
-              <a14:hiddenFill xmlns:a14="http://schemas.microsoft.com/office/drawing/2010/main">
+              <a14:hiddenFill xmlns:a14="http://schemas.microsoft.com/office/drawing/2010/main" xmlns="">
                 <a:solidFill>
                   <a:srgbClr val="FFFFFF"/>
                 </a:solidFill>
@@ -4917,10 +5331,40 @@
           </a:p>
         </p:txBody>
       </p:sp>
+      <p:pic>
+        <p:nvPicPr>
+          <p:cNvPr id="5" name="Picture 4"/>
+          <p:cNvPicPr>
+            <a:picLocks noChangeAspect="1"/>
+          </p:cNvPicPr>
+          <p:nvPr/>
+        </p:nvPicPr>
+        <p:blipFill>
+          <a:blip r:embed="rId3" cstate="print">
+            <a:extLst>
+              <a:ext uri="{28A0092B-C50C-407E-A947-70E740481C1C}">
+                <a14:useLocalDpi xmlns:a14="http://schemas.microsoft.com/office/drawing/2010/main" xmlns="" xmlns:lc="http://schemas.openxmlformats.org/drawingml/2006/lockedCanvas" val="0"/>
+              </a:ext>
+            </a:extLst>
+          </a:blip>
+          <a:stretch>
+            <a:fillRect/>
+          </a:stretch>
+        </p:blipFill>
+        <p:spPr>
+          <a:xfrm>
+            <a:off x="0" y="0"/>
+            <a:ext cx="1062463" cy="751114"/>
+          </a:xfrm>
+          <a:prstGeom prst="rect">
+            <a:avLst/>
+          </a:prstGeom>
+        </p:spPr>
+      </p:pic>
     </p:spTree>
     <p:extLst>
       <p:ext uri="{BB962C8B-B14F-4D97-AF65-F5344CB8AC3E}">
-        <p14:creationId xmlns:p14="http://schemas.microsoft.com/office/powerpoint/2010/main" val="2817366746"/>
+        <p14:creationId xmlns:p14="http://schemas.microsoft.com/office/powerpoint/2010/main" xmlns="" val="2817366746"/>
       </p:ext>
     </p:extLst>
   </p:cSld>
@@ -4998,7 +5442,7 @@
           <a:blip r:embed="rId2">
             <a:extLst>
               <a:ext uri="{28A0092B-C50C-407E-A947-70E740481C1C}">
-                <a14:useLocalDpi xmlns:a14="http://schemas.microsoft.com/office/drawing/2010/main" val="0"/>
+                <a14:useLocalDpi xmlns:a14="http://schemas.microsoft.com/office/drawing/2010/main" xmlns="" val="0"/>
               </a:ext>
             </a:extLst>
           </a:blip>
@@ -5018,7 +5462,7 @@
           <a:noFill/>
           <a:extLst>
             <a:ext uri="{909E8E84-426E-40DD-AFC4-6F175D3DCCD1}">
-              <a14:hiddenFill xmlns:a14="http://schemas.microsoft.com/office/drawing/2010/main">
+              <a14:hiddenFill xmlns:a14="http://schemas.microsoft.com/office/drawing/2010/main" xmlns="">
                 <a:solidFill>
                   <a:srgbClr val="FFFFFF"/>
                 </a:solidFill>
@@ -5027,10 +5471,40 @@
           </a:extLst>
         </p:spPr>
       </p:pic>
+      <p:pic>
+        <p:nvPicPr>
+          <p:cNvPr id="4" name="Picture 3"/>
+          <p:cNvPicPr>
+            <a:picLocks noChangeAspect="1"/>
+          </p:cNvPicPr>
+          <p:nvPr/>
+        </p:nvPicPr>
+        <p:blipFill>
+          <a:blip r:embed="rId3" cstate="print">
+            <a:extLst>
+              <a:ext uri="{28A0092B-C50C-407E-A947-70E740481C1C}">
+                <a14:useLocalDpi xmlns:a14="http://schemas.microsoft.com/office/drawing/2010/main" xmlns="" xmlns:lc="http://schemas.openxmlformats.org/drawingml/2006/lockedCanvas" val="0"/>
+              </a:ext>
+            </a:extLst>
+          </a:blip>
+          <a:stretch>
+            <a:fillRect/>
+          </a:stretch>
+        </p:blipFill>
+        <p:spPr>
+          <a:xfrm>
+            <a:off x="0" y="0"/>
+            <a:ext cx="1062463" cy="751114"/>
+          </a:xfrm>
+          <a:prstGeom prst="rect">
+            <a:avLst/>
+          </a:prstGeom>
+        </p:spPr>
+      </p:pic>
     </p:spTree>
     <p:extLst>
       <p:ext uri="{BB962C8B-B14F-4D97-AF65-F5344CB8AC3E}">
-        <p14:creationId xmlns:p14="http://schemas.microsoft.com/office/powerpoint/2010/main" val="716529440"/>
+        <p14:creationId xmlns:p14="http://schemas.microsoft.com/office/powerpoint/2010/main" xmlns="" val="716529440"/>
       </p:ext>
     </p:extLst>
   </p:cSld>
@@ -5094,7 +5568,7 @@
           <a:blip r:embed="rId2">
             <a:extLst>
               <a:ext uri="{28A0092B-C50C-407E-A947-70E740481C1C}">
-                <a14:useLocalDpi xmlns:a14="http://schemas.microsoft.com/office/drawing/2010/main" val="0"/>
+                <a14:useLocalDpi xmlns:a14="http://schemas.microsoft.com/office/drawing/2010/main" xmlns="" val="0"/>
               </a:ext>
             </a:extLst>
           </a:blip>
@@ -5114,7 +5588,7 @@
           <a:noFill/>
           <a:extLst>
             <a:ext uri="{909E8E84-426E-40DD-AFC4-6F175D3DCCD1}">
-              <a14:hiddenFill xmlns:a14="http://schemas.microsoft.com/office/drawing/2010/main">
+              <a14:hiddenFill xmlns:a14="http://schemas.microsoft.com/office/drawing/2010/main" xmlns="">
                 <a:solidFill>
                   <a:srgbClr val="FFFFFF"/>
                 </a:solidFill>
@@ -5123,10 +5597,40 @@
           </a:extLst>
         </p:spPr>
       </p:pic>
+      <p:pic>
+        <p:nvPicPr>
+          <p:cNvPr id="4" name="Picture 3"/>
+          <p:cNvPicPr>
+            <a:picLocks noChangeAspect="1"/>
+          </p:cNvPicPr>
+          <p:nvPr/>
+        </p:nvPicPr>
+        <p:blipFill>
+          <a:blip r:embed="rId3" cstate="print">
+            <a:extLst>
+              <a:ext uri="{28A0092B-C50C-407E-A947-70E740481C1C}">
+                <a14:useLocalDpi xmlns:a14="http://schemas.microsoft.com/office/drawing/2010/main" xmlns="" xmlns:lc="http://schemas.openxmlformats.org/drawingml/2006/lockedCanvas" val="0"/>
+              </a:ext>
+            </a:extLst>
+          </a:blip>
+          <a:stretch>
+            <a:fillRect/>
+          </a:stretch>
+        </p:blipFill>
+        <p:spPr>
+          <a:xfrm>
+            <a:off x="0" y="0"/>
+            <a:ext cx="1062463" cy="751114"/>
+          </a:xfrm>
+          <a:prstGeom prst="rect">
+            <a:avLst/>
+          </a:prstGeom>
+        </p:spPr>
+      </p:pic>
     </p:spTree>
     <p:extLst>
       <p:ext uri="{BB962C8B-B14F-4D97-AF65-F5344CB8AC3E}">
-        <p14:creationId xmlns:p14="http://schemas.microsoft.com/office/powerpoint/2010/main" val="3153247756"/>
+        <p14:creationId xmlns:p14="http://schemas.microsoft.com/office/powerpoint/2010/main" xmlns="" val="3153247756"/>
       </p:ext>
     </p:extLst>
   </p:cSld>
@@ -5203,10 +5707,40 @@
           </a:p>
         </p:txBody>
       </p:sp>
+      <p:pic>
+        <p:nvPicPr>
+          <p:cNvPr id="4" name="Picture 3"/>
+          <p:cNvPicPr>
+            <a:picLocks noChangeAspect="1"/>
+          </p:cNvPicPr>
+          <p:nvPr/>
+        </p:nvPicPr>
+        <p:blipFill>
+          <a:blip r:embed="rId2" cstate="print">
+            <a:extLst>
+              <a:ext uri="{28A0092B-C50C-407E-A947-70E740481C1C}">
+                <a14:useLocalDpi xmlns:a14="http://schemas.microsoft.com/office/drawing/2010/main" xmlns="" xmlns:lc="http://schemas.openxmlformats.org/drawingml/2006/lockedCanvas" val="0"/>
+              </a:ext>
+            </a:extLst>
+          </a:blip>
+          <a:stretch>
+            <a:fillRect/>
+          </a:stretch>
+        </p:blipFill>
+        <p:spPr>
+          <a:xfrm>
+            <a:off x="0" y="0"/>
+            <a:ext cx="1062463" cy="751114"/>
+          </a:xfrm>
+          <a:prstGeom prst="rect">
+            <a:avLst/>
+          </a:prstGeom>
+        </p:spPr>
+      </p:pic>
     </p:spTree>
     <p:extLst>
       <p:ext uri="{BB962C8B-B14F-4D97-AF65-F5344CB8AC3E}">
-        <p14:creationId xmlns:p14="http://schemas.microsoft.com/office/powerpoint/2010/main" val="1169986615"/>
+        <p14:creationId xmlns:p14="http://schemas.microsoft.com/office/powerpoint/2010/main" xmlns="" val="1169986615"/>
       </p:ext>
     </p:extLst>
   </p:cSld>
@@ -5270,7 +5804,7 @@
           <a:blip r:embed="rId2">
             <a:extLst>
               <a:ext uri="{28A0092B-C50C-407E-A947-70E740481C1C}">
-                <a14:useLocalDpi xmlns:a14="http://schemas.microsoft.com/office/drawing/2010/main" val="0"/>
+                <a14:useLocalDpi xmlns:a14="http://schemas.microsoft.com/office/drawing/2010/main" xmlns="" val="0"/>
               </a:ext>
             </a:extLst>
           </a:blip>
@@ -5290,7 +5824,7 @@
           <a:noFill/>
           <a:extLst>
             <a:ext uri="{909E8E84-426E-40DD-AFC4-6F175D3DCCD1}">
-              <a14:hiddenFill xmlns:a14="http://schemas.microsoft.com/office/drawing/2010/main">
+              <a14:hiddenFill xmlns:a14="http://schemas.microsoft.com/office/drawing/2010/main" xmlns="">
                 <a:solidFill>
                   <a:srgbClr val="FFFFFF"/>
                 </a:solidFill>
@@ -5299,10 +5833,40 @@
           </a:extLst>
         </p:spPr>
       </p:pic>
+      <p:pic>
+        <p:nvPicPr>
+          <p:cNvPr id="4" name="Picture 3"/>
+          <p:cNvPicPr>
+            <a:picLocks noChangeAspect="1"/>
+          </p:cNvPicPr>
+          <p:nvPr/>
+        </p:nvPicPr>
+        <p:blipFill>
+          <a:blip r:embed="rId3" cstate="print">
+            <a:extLst>
+              <a:ext uri="{28A0092B-C50C-407E-A947-70E740481C1C}">
+                <a14:useLocalDpi xmlns:a14="http://schemas.microsoft.com/office/drawing/2010/main" xmlns="" xmlns:lc="http://schemas.openxmlformats.org/drawingml/2006/lockedCanvas" val="0"/>
+              </a:ext>
+            </a:extLst>
+          </a:blip>
+          <a:stretch>
+            <a:fillRect/>
+          </a:stretch>
+        </p:blipFill>
+        <p:spPr>
+          <a:xfrm>
+            <a:off x="0" y="0"/>
+            <a:ext cx="1062463" cy="751114"/>
+          </a:xfrm>
+          <a:prstGeom prst="rect">
+            <a:avLst/>
+          </a:prstGeom>
+        </p:spPr>
+      </p:pic>
     </p:spTree>
     <p:extLst>
       <p:ext uri="{BB962C8B-B14F-4D97-AF65-F5344CB8AC3E}">
-        <p14:creationId xmlns:p14="http://schemas.microsoft.com/office/powerpoint/2010/main" val="1339467464"/>
+        <p14:creationId xmlns:p14="http://schemas.microsoft.com/office/powerpoint/2010/main" xmlns="" val="1339467464"/>
       </p:ext>
     </p:extLst>
   </p:cSld>
@@ -5366,7 +5930,7 @@
           <a:blip r:embed="rId2">
             <a:extLst>
               <a:ext uri="{28A0092B-C50C-407E-A947-70E740481C1C}">
-                <a14:useLocalDpi xmlns:a14="http://schemas.microsoft.com/office/drawing/2010/main" val="0"/>
+                <a14:useLocalDpi xmlns:a14="http://schemas.microsoft.com/office/drawing/2010/main" xmlns="" val="0"/>
               </a:ext>
             </a:extLst>
           </a:blip>
@@ -5386,7 +5950,7 @@
           <a:noFill/>
           <a:extLst>
             <a:ext uri="{909E8E84-426E-40DD-AFC4-6F175D3DCCD1}">
-              <a14:hiddenFill xmlns:a14="http://schemas.microsoft.com/office/drawing/2010/main">
+              <a14:hiddenFill xmlns:a14="http://schemas.microsoft.com/office/drawing/2010/main" xmlns="">
                 <a:solidFill>
                   <a:srgbClr val="FFFFFF"/>
                 </a:solidFill>
@@ -5395,10 +5959,40 @@
           </a:extLst>
         </p:spPr>
       </p:pic>
+      <p:pic>
+        <p:nvPicPr>
+          <p:cNvPr id="4" name="Picture 3"/>
+          <p:cNvPicPr>
+            <a:picLocks noChangeAspect="1"/>
+          </p:cNvPicPr>
+          <p:nvPr/>
+        </p:nvPicPr>
+        <p:blipFill>
+          <a:blip r:embed="rId3" cstate="print">
+            <a:extLst>
+              <a:ext uri="{28A0092B-C50C-407E-A947-70E740481C1C}">
+                <a14:useLocalDpi xmlns:a14="http://schemas.microsoft.com/office/drawing/2010/main" xmlns="" xmlns:lc="http://schemas.openxmlformats.org/drawingml/2006/lockedCanvas" val="0"/>
+              </a:ext>
+            </a:extLst>
+          </a:blip>
+          <a:stretch>
+            <a:fillRect/>
+          </a:stretch>
+        </p:blipFill>
+        <p:spPr>
+          <a:xfrm>
+            <a:off x="0" y="0"/>
+            <a:ext cx="1062463" cy="751114"/>
+          </a:xfrm>
+          <a:prstGeom prst="rect">
+            <a:avLst/>
+          </a:prstGeom>
+        </p:spPr>
+      </p:pic>
     </p:spTree>
     <p:extLst>
       <p:ext uri="{BB962C8B-B14F-4D97-AF65-F5344CB8AC3E}">
-        <p14:creationId xmlns:p14="http://schemas.microsoft.com/office/powerpoint/2010/main" val="3917395291"/>
+        <p14:creationId xmlns:p14="http://schemas.microsoft.com/office/powerpoint/2010/main" xmlns="" val="3917395291"/>
       </p:ext>
     </p:extLst>
   </p:cSld>
@@ -5462,7 +6056,7 @@
           <a:blip r:embed="rId2">
             <a:extLst>
               <a:ext uri="{28A0092B-C50C-407E-A947-70E740481C1C}">
-                <a14:useLocalDpi xmlns:a14="http://schemas.microsoft.com/office/drawing/2010/main" val="0"/>
+                <a14:useLocalDpi xmlns:a14="http://schemas.microsoft.com/office/drawing/2010/main" xmlns="" val="0"/>
               </a:ext>
             </a:extLst>
           </a:blip>
@@ -5482,7 +6076,7 @@
           <a:noFill/>
           <a:extLst>
             <a:ext uri="{909E8E84-426E-40DD-AFC4-6F175D3DCCD1}">
-              <a14:hiddenFill xmlns:a14="http://schemas.microsoft.com/office/drawing/2010/main">
+              <a14:hiddenFill xmlns:a14="http://schemas.microsoft.com/office/drawing/2010/main" xmlns="">
                 <a:solidFill>
                   <a:srgbClr val="FFFFFF"/>
                 </a:solidFill>
@@ -5491,10 +6085,40 @@
           </a:extLst>
         </p:spPr>
       </p:pic>
+      <p:pic>
+        <p:nvPicPr>
+          <p:cNvPr id="4" name="Picture 3"/>
+          <p:cNvPicPr>
+            <a:picLocks noChangeAspect="1"/>
+          </p:cNvPicPr>
+          <p:nvPr/>
+        </p:nvPicPr>
+        <p:blipFill>
+          <a:blip r:embed="rId3" cstate="print">
+            <a:extLst>
+              <a:ext uri="{28A0092B-C50C-407E-A947-70E740481C1C}">
+                <a14:useLocalDpi xmlns:a14="http://schemas.microsoft.com/office/drawing/2010/main" xmlns="" xmlns:lc="http://schemas.openxmlformats.org/drawingml/2006/lockedCanvas" val="0"/>
+              </a:ext>
+            </a:extLst>
+          </a:blip>
+          <a:stretch>
+            <a:fillRect/>
+          </a:stretch>
+        </p:blipFill>
+        <p:spPr>
+          <a:xfrm>
+            <a:off x="0" y="0"/>
+            <a:ext cx="1062463" cy="751114"/>
+          </a:xfrm>
+          <a:prstGeom prst="rect">
+            <a:avLst/>
+          </a:prstGeom>
+        </p:spPr>
+      </p:pic>
     </p:spTree>
     <p:extLst>
       <p:ext uri="{BB962C8B-B14F-4D97-AF65-F5344CB8AC3E}">
-        <p14:creationId xmlns:p14="http://schemas.microsoft.com/office/powerpoint/2010/main" val="1501440230"/>
+        <p14:creationId xmlns:p14="http://schemas.microsoft.com/office/powerpoint/2010/main" xmlns="" val="1501440230"/>
       </p:ext>
     </p:extLst>
   </p:cSld>
@@ -5556,7 +6180,7 @@
           <a:blip r:embed="rId2">
             <a:extLst>
               <a:ext uri="{28A0092B-C50C-407E-A947-70E740481C1C}">
-                <a14:useLocalDpi xmlns:a14="http://schemas.microsoft.com/office/drawing/2010/main" val="0"/>
+                <a14:useLocalDpi xmlns:a14="http://schemas.microsoft.com/office/drawing/2010/main" xmlns="" val="0"/>
               </a:ext>
             </a:extLst>
           </a:blip>
@@ -5576,7 +6200,7 @@
           <a:noFill/>
           <a:extLst>
             <a:ext uri="{909E8E84-426E-40DD-AFC4-6F175D3DCCD1}">
-              <a14:hiddenFill xmlns:a14="http://schemas.microsoft.com/office/drawing/2010/main">
+              <a14:hiddenFill xmlns:a14="http://schemas.microsoft.com/office/drawing/2010/main" xmlns="">
                 <a:solidFill>
                   <a:srgbClr val="FFFFFF"/>
                 </a:solidFill>
@@ -5585,10 +6209,40 @@
           </a:extLst>
         </p:spPr>
       </p:pic>
+      <p:pic>
+        <p:nvPicPr>
+          <p:cNvPr id="4" name="Picture 3"/>
+          <p:cNvPicPr>
+            <a:picLocks noChangeAspect="1"/>
+          </p:cNvPicPr>
+          <p:nvPr/>
+        </p:nvPicPr>
+        <p:blipFill>
+          <a:blip r:embed="rId3" cstate="print">
+            <a:extLst>
+              <a:ext uri="{28A0092B-C50C-407E-A947-70E740481C1C}">
+                <a14:useLocalDpi xmlns:a14="http://schemas.microsoft.com/office/drawing/2010/main" xmlns="" xmlns:lc="http://schemas.openxmlformats.org/drawingml/2006/lockedCanvas" val="0"/>
+              </a:ext>
+            </a:extLst>
+          </a:blip>
+          <a:stretch>
+            <a:fillRect/>
+          </a:stretch>
+        </p:blipFill>
+        <p:spPr>
+          <a:xfrm>
+            <a:off x="0" y="0"/>
+            <a:ext cx="1062463" cy="751114"/>
+          </a:xfrm>
+          <a:prstGeom prst="rect">
+            <a:avLst/>
+          </a:prstGeom>
+        </p:spPr>
+      </p:pic>
     </p:spTree>
     <p:extLst>
       <p:ext uri="{BB962C8B-B14F-4D97-AF65-F5344CB8AC3E}">
-        <p14:creationId xmlns:p14="http://schemas.microsoft.com/office/powerpoint/2010/main" val="274402613"/>
+        <p14:creationId xmlns:p14="http://schemas.microsoft.com/office/powerpoint/2010/main" xmlns="" val="274402613"/>
       </p:ext>
     </p:extLst>
   </p:cSld>
@@ -5687,10 +6341,40 @@
           </a:p>
         </p:txBody>
       </p:sp>
+      <p:pic>
+        <p:nvPicPr>
+          <p:cNvPr id="4" name="Picture 3"/>
+          <p:cNvPicPr>
+            <a:picLocks noChangeAspect="1"/>
+          </p:cNvPicPr>
+          <p:nvPr/>
+        </p:nvPicPr>
+        <p:blipFill>
+          <a:blip r:embed="rId2" cstate="print">
+            <a:extLst>
+              <a:ext uri="{28A0092B-C50C-407E-A947-70E740481C1C}">
+                <a14:useLocalDpi xmlns:a14="http://schemas.microsoft.com/office/drawing/2010/main" xmlns="" xmlns:lc="http://schemas.openxmlformats.org/drawingml/2006/lockedCanvas" val="0"/>
+              </a:ext>
+            </a:extLst>
+          </a:blip>
+          <a:stretch>
+            <a:fillRect/>
+          </a:stretch>
+        </p:blipFill>
+        <p:spPr>
+          <a:xfrm>
+            <a:off x="0" y="0"/>
+            <a:ext cx="1062463" cy="751114"/>
+          </a:xfrm>
+          <a:prstGeom prst="rect">
+            <a:avLst/>
+          </a:prstGeom>
+        </p:spPr>
+      </p:pic>
     </p:spTree>
     <p:extLst>
       <p:ext uri="{BB962C8B-B14F-4D97-AF65-F5344CB8AC3E}">
-        <p14:creationId xmlns:p14="http://schemas.microsoft.com/office/powerpoint/2010/main" val="3716344194"/>
+        <p14:creationId xmlns:p14="http://schemas.microsoft.com/office/powerpoint/2010/main" xmlns="" val="3716344194"/>
       </p:ext>
     </p:extLst>
   </p:cSld>
@@ -5811,10 +6495,40 @@
           </a:p>
         </p:txBody>
       </p:sp>
+      <p:pic>
+        <p:nvPicPr>
+          <p:cNvPr id="4" name="Picture 3"/>
+          <p:cNvPicPr>
+            <a:picLocks noChangeAspect="1"/>
+          </p:cNvPicPr>
+          <p:nvPr/>
+        </p:nvPicPr>
+        <p:blipFill>
+          <a:blip r:embed="rId2" cstate="print">
+            <a:extLst>
+              <a:ext uri="{28A0092B-C50C-407E-A947-70E740481C1C}">
+                <a14:useLocalDpi xmlns:a14="http://schemas.microsoft.com/office/drawing/2010/main" xmlns="" xmlns:lc="http://schemas.openxmlformats.org/drawingml/2006/lockedCanvas" val="0"/>
+              </a:ext>
+            </a:extLst>
+          </a:blip>
+          <a:stretch>
+            <a:fillRect/>
+          </a:stretch>
+        </p:blipFill>
+        <p:spPr>
+          <a:xfrm>
+            <a:off x="0" y="0"/>
+            <a:ext cx="1062463" cy="751114"/>
+          </a:xfrm>
+          <a:prstGeom prst="rect">
+            <a:avLst/>
+          </a:prstGeom>
+        </p:spPr>
+      </p:pic>
     </p:spTree>
     <p:extLst>
       <p:ext uri="{BB962C8B-B14F-4D97-AF65-F5344CB8AC3E}">
-        <p14:creationId xmlns:p14="http://schemas.microsoft.com/office/powerpoint/2010/main" val="448424075"/>
+        <p14:creationId xmlns:p14="http://schemas.microsoft.com/office/powerpoint/2010/main" xmlns="" val="448424075"/>
       </p:ext>
     </p:extLst>
   </p:cSld>
@@ -5889,10 +6603,40 @@
           </a:p>
         </p:txBody>
       </p:sp>
+      <p:pic>
+        <p:nvPicPr>
+          <p:cNvPr id="4" name="Picture 3"/>
+          <p:cNvPicPr>
+            <a:picLocks noChangeAspect="1"/>
+          </p:cNvPicPr>
+          <p:nvPr/>
+        </p:nvPicPr>
+        <p:blipFill>
+          <a:blip r:embed="rId3" cstate="print">
+            <a:extLst>
+              <a:ext uri="{28A0092B-C50C-407E-A947-70E740481C1C}">
+                <a14:useLocalDpi xmlns:a14="http://schemas.microsoft.com/office/drawing/2010/main" xmlns="" xmlns:lc="http://schemas.openxmlformats.org/drawingml/2006/lockedCanvas" val="0"/>
+              </a:ext>
+            </a:extLst>
+          </a:blip>
+          <a:stretch>
+            <a:fillRect/>
+          </a:stretch>
+        </p:blipFill>
+        <p:spPr>
+          <a:xfrm>
+            <a:off x="0" y="0"/>
+            <a:ext cx="1062463" cy="751114"/>
+          </a:xfrm>
+          <a:prstGeom prst="rect">
+            <a:avLst/>
+          </a:prstGeom>
+        </p:spPr>
+      </p:pic>
     </p:spTree>
     <p:extLst>
       <p:ext uri="{BB962C8B-B14F-4D97-AF65-F5344CB8AC3E}">
-        <p14:creationId xmlns:p14="http://schemas.microsoft.com/office/powerpoint/2010/main" val="585075807"/>
+        <p14:creationId xmlns:p14="http://schemas.microsoft.com/office/powerpoint/2010/main" xmlns="" val="585075807"/>
       </p:ext>
     </p:extLst>
   </p:cSld>
@@ -5975,10 +6719,40 @@
           </a:p>
         </p:txBody>
       </p:sp>
+      <p:pic>
+        <p:nvPicPr>
+          <p:cNvPr id="4" name="Picture 3"/>
+          <p:cNvPicPr>
+            <a:picLocks noChangeAspect="1"/>
+          </p:cNvPicPr>
+          <p:nvPr/>
+        </p:nvPicPr>
+        <p:blipFill>
+          <a:blip r:embed="rId2" cstate="print">
+            <a:extLst>
+              <a:ext uri="{28A0092B-C50C-407E-A947-70E740481C1C}">
+                <a14:useLocalDpi xmlns:a14="http://schemas.microsoft.com/office/drawing/2010/main" xmlns="" xmlns:lc="http://schemas.openxmlformats.org/drawingml/2006/lockedCanvas" val="0"/>
+              </a:ext>
+            </a:extLst>
+          </a:blip>
+          <a:stretch>
+            <a:fillRect/>
+          </a:stretch>
+        </p:blipFill>
+        <p:spPr>
+          <a:xfrm>
+            <a:off x="0" y="0"/>
+            <a:ext cx="1062463" cy="751114"/>
+          </a:xfrm>
+          <a:prstGeom prst="rect">
+            <a:avLst/>
+          </a:prstGeom>
+        </p:spPr>
+      </p:pic>
     </p:spTree>
     <p:extLst>
       <p:ext uri="{BB962C8B-B14F-4D97-AF65-F5344CB8AC3E}">
-        <p14:creationId xmlns:p14="http://schemas.microsoft.com/office/powerpoint/2010/main" val="1347047316"/>
+        <p14:creationId xmlns:p14="http://schemas.microsoft.com/office/powerpoint/2010/main" xmlns="" val="1347047316"/>
       </p:ext>
     </p:extLst>
   </p:cSld>
@@ -6127,10 +6901,40 @@
           </a:p>
         </p:txBody>
       </p:sp>
+      <p:pic>
+        <p:nvPicPr>
+          <p:cNvPr id="4" name="Picture 3"/>
+          <p:cNvPicPr>
+            <a:picLocks noChangeAspect="1"/>
+          </p:cNvPicPr>
+          <p:nvPr/>
+        </p:nvPicPr>
+        <p:blipFill>
+          <a:blip r:embed="rId2" cstate="print">
+            <a:extLst>
+              <a:ext uri="{28A0092B-C50C-407E-A947-70E740481C1C}">
+                <a14:useLocalDpi xmlns:a14="http://schemas.microsoft.com/office/drawing/2010/main" xmlns="" xmlns:lc="http://schemas.openxmlformats.org/drawingml/2006/lockedCanvas" val="0"/>
+              </a:ext>
+            </a:extLst>
+          </a:blip>
+          <a:stretch>
+            <a:fillRect/>
+          </a:stretch>
+        </p:blipFill>
+        <p:spPr>
+          <a:xfrm>
+            <a:off x="0" y="0"/>
+            <a:ext cx="1062463" cy="751114"/>
+          </a:xfrm>
+          <a:prstGeom prst="rect">
+            <a:avLst/>
+          </a:prstGeom>
+        </p:spPr>
+      </p:pic>
     </p:spTree>
     <p:extLst>
       <p:ext uri="{BB962C8B-B14F-4D97-AF65-F5344CB8AC3E}">
-        <p14:creationId xmlns:p14="http://schemas.microsoft.com/office/powerpoint/2010/main" val="2057050533"/>
+        <p14:creationId xmlns:p14="http://schemas.microsoft.com/office/powerpoint/2010/main" xmlns="" val="2057050533"/>
       </p:ext>
     </p:extLst>
   </p:cSld>
@@ -6206,10 +7010,40 @@
           </a:prstGeom>
         </p:spPr>
       </p:pic>
+      <p:pic>
+        <p:nvPicPr>
+          <p:cNvPr id="5" name="Picture 4"/>
+          <p:cNvPicPr>
+            <a:picLocks noChangeAspect="1"/>
+          </p:cNvPicPr>
+          <p:nvPr/>
+        </p:nvPicPr>
+        <p:blipFill>
+          <a:blip r:embed="rId3" cstate="print">
+            <a:extLst>
+              <a:ext uri="{28A0092B-C50C-407E-A947-70E740481C1C}">
+                <a14:useLocalDpi xmlns:a14="http://schemas.microsoft.com/office/drawing/2010/main" xmlns="" xmlns:lc="http://schemas.openxmlformats.org/drawingml/2006/lockedCanvas" val="0"/>
+              </a:ext>
+            </a:extLst>
+          </a:blip>
+          <a:stretch>
+            <a:fillRect/>
+          </a:stretch>
+        </p:blipFill>
+        <p:spPr>
+          <a:xfrm>
+            <a:off x="0" y="0"/>
+            <a:ext cx="1062463" cy="751114"/>
+          </a:xfrm>
+          <a:prstGeom prst="rect">
+            <a:avLst/>
+          </a:prstGeom>
+        </p:spPr>
+      </p:pic>
     </p:spTree>
     <p:extLst>
       <p:ext uri="{BB962C8B-B14F-4D97-AF65-F5344CB8AC3E}">
-        <p14:creationId xmlns:p14="http://schemas.microsoft.com/office/powerpoint/2010/main" val="3375266536"/>
+        <p14:creationId xmlns:p14="http://schemas.microsoft.com/office/powerpoint/2010/main" xmlns="" val="3375266536"/>
       </p:ext>
     </p:extLst>
   </p:cSld>
@@ -6295,10 +7129,40 @@
           </a:prstGeom>
         </p:spPr>
       </p:pic>
+      <p:pic>
+        <p:nvPicPr>
+          <p:cNvPr id="5" name="Picture 4"/>
+          <p:cNvPicPr>
+            <a:picLocks noChangeAspect="1"/>
+          </p:cNvPicPr>
+          <p:nvPr/>
+        </p:nvPicPr>
+        <p:blipFill>
+          <a:blip r:embed="rId3" cstate="print">
+            <a:extLst>
+              <a:ext uri="{28A0092B-C50C-407E-A947-70E740481C1C}">
+                <a14:useLocalDpi xmlns:a14="http://schemas.microsoft.com/office/drawing/2010/main" xmlns="" xmlns:lc="http://schemas.openxmlformats.org/drawingml/2006/lockedCanvas" val="0"/>
+              </a:ext>
+            </a:extLst>
+          </a:blip>
+          <a:stretch>
+            <a:fillRect/>
+          </a:stretch>
+        </p:blipFill>
+        <p:spPr>
+          <a:xfrm>
+            <a:off x="0" y="0"/>
+            <a:ext cx="1062463" cy="751114"/>
+          </a:xfrm>
+          <a:prstGeom prst="rect">
+            <a:avLst/>
+          </a:prstGeom>
+        </p:spPr>
+      </p:pic>
     </p:spTree>
     <p:extLst>
       <p:ext uri="{BB962C8B-B14F-4D97-AF65-F5344CB8AC3E}">
-        <p14:creationId xmlns:p14="http://schemas.microsoft.com/office/powerpoint/2010/main" val="4179065463"/>
+        <p14:creationId xmlns:p14="http://schemas.microsoft.com/office/powerpoint/2010/main" xmlns="" val="4179065463"/>
       </p:ext>
     </p:extLst>
   </p:cSld>
@@ -6457,10 +7321,40 @@
           </a:p>
         </p:txBody>
       </p:sp>
+      <p:pic>
+        <p:nvPicPr>
+          <p:cNvPr id="4" name="Picture 3"/>
+          <p:cNvPicPr>
+            <a:picLocks noChangeAspect="1"/>
+          </p:cNvPicPr>
+          <p:nvPr/>
+        </p:nvPicPr>
+        <p:blipFill>
+          <a:blip r:embed="rId2" cstate="print">
+            <a:extLst>
+              <a:ext uri="{28A0092B-C50C-407E-A947-70E740481C1C}">
+                <a14:useLocalDpi xmlns:a14="http://schemas.microsoft.com/office/drawing/2010/main" xmlns="" xmlns:lc="http://schemas.openxmlformats.org/drawingml/2006/lockedCanvas" val="0"/>
+              </a:ext>
+            </a:extLst>
+          </a:blip>
+          <a:stretch>
+            <a:fillRect/>
+          </a:stretch>
+        </p:blipFill>
+        <p:spPr>
+          <a:xfrm>
+            <a:off x="0" y="0"/>
+            <a:ext cx="1062463" cy="751114"/>
+          </a:xfrm>
+          <a:prstGeom prst="rect">
+            <a:avLst/>
+          </a:prstGeom>
+        </p:spPr>
+      </p:pic>
     </p:spTree>
     <p:extLst>
       <p:ext uri="{BB962C8B-B14F-4D97-AF65-F5344CB8AC3E}">
-        <p14:creationId xmlns:p14="http://schemas.microsoft.com/office/powerpoint/2010/main" val="1986703559"/>
+        <p14:creationId xmlns:p14="http://schemas.microsoft.com/office/powerpoint/2010/main" xmlns="" val="1986703559"/>
       </p:ext>
     </p:extLst>
   </p:cSld>
@@ -6551,10 +7445,40 @@
           </a:p>
         </p:txBody>
       </p:sp>
+      <p:pic>
+        <p:nvPicPr>
+          <p:cNvPr id="4" name="Picture 3"/>
+          <p:cNvPicPr>
+            <a:picLocks noChangeAspect="1"/>
+          </p:cNvPicPr>
+          <p:nvPr/>
+        </p:nvPicPr>
+        <p:blipFill>
+          <a:blip r:embed="rId2" cstate="print">
+            <a:extLst>
+              <a:ext uri="{28A0092B-C50C-407E-A947-70E740481C1C}">
+                <a14:useLocalDpi xmlns:a14="http://schemas.microsoft.com/office/drawing/2010/main" xmlns="" xmlns:lc="http://schemas.openxmlformats.org/drawingml/2006/lockedCanvas" val="0"/>
+              </a:ext>
+            </a:extLst>
+          </a:blip>
+          <a:stretch>
+            <a:fillRect/>
+          </a:stretch>
+        </p:blipFill>
+        <p:spPr>
+          <a:xfrm>
+            <a:off x="0" y="0"/>
+            <a:ext cx="1062463" cy="751114"/>
+          </a:xfrm>
+          <a:prstGeom prst="rect">
+            <a:avLst/>
+          </a:prstGeom>
+        </p:spPr>
+      </p:pic>
     </p:spTree>
     <p:extLst>
       <p:ext uri="{BB962C8B-B14F-4D97-AF65-F5344CB8AC3E}">
-        <p14:creationId xmlns:p14="http://schemas.microsoft.com/office/powerpoint/2010/main" val="2419683223"/>
+        <p14:creationId xmlns:p14="http://schemas.microsoft.com/office/powerpoint/2010/main" xmlns="" val="2419683223"/>
       </p:ext>
     </p:extLst>
   </p:cSld>
@@ -6607,7 +7531,7 @@
     </a:clrScheme>
     <a:fontScheme name="Office">
       <a:majorFont>
-        <a:latin typeface="Calibri Light" panose="020F0302020204030204"/>
+        <a:latin typeface="Calibri Light"/>
         <a:ea typeface=""/>
         <a:cs typeface=""/>
         <a:font script="Jpan" typeface="ＭＳ Ｐゴシック"/>
@@ -6642,7 +7566,7 @@
         <a:font script="Geor" typeface="Sylfaen"/>
       </a:majorFont>
       <a:minorFont>
-        <a:latin typeface="Calibri" panose="020F0502020204030204"/>
+        <a:latin typeface="Calibri"/>
         <a:ea typeface=""/>
         <a:cs typeface=""/>
         <a:font script="Jpan" typeface="ＭＳ Ｐゴシック"/>
@@ -6819,7 +7743,7 @@
   <a:extraClrSchemeLst/>
   <a:extLst>
     <a:ext uri="{05A4C25C-085E-4340-85A3-A5531E510DB2}">
-      <thm15:themeFamily xmlns:thm15="http://schemas.microsoft.com/office/thememl/2012/main" name="Office Theme" id="{62F939B6-93AF-4DB8-9C6B-D6C7DFDC589F}" vid="{4A3C46E8-61CC-4603-A589-7422A47A8E4A}"/>
+      <thm15:themeFamily xmlns:thm15="http://schemas.microsoft.com/office/thememl/2012/main" xmlns="" name="Office Theme" id="{62F939B6-93AF-4DB8-9C6B-D6C7DFDC589F}" vid="{4A3C46E8-61CC-4603-A589-7422A47A8E4A}"/>
     </a:ext>
   </a:extLst>
 </a:theme>
